--- a/flight_proj.pptx
+++ b/flight_proj.pptx
@@ -11,9 +11,12 @@
     <p:sldId id="258" r:id="rId5"/>
     <p:sldId id="262" r:id="rId6"/>
     <p:sldId id="261" r:id="rId7"/>
-    <p:sldId id="263" r:id="rId8"/>
-    <p:sldId id="264" r:id="rId9"/>
-    <p:sldId id="265" r:id="rId10"/>
+    <p:sldId id="268" r:id="rId8"/>
+    <p:sldId id="263" r:id="rId9"/>
+    <p:sldId id="264" r:id="rId10"/>
+    <p:sldId id="266" r:id="rId11"/>
+    <p:sldId id="267" r:id="rId12"/>
+    <p:sldId id="265" r:id="rId13"/>
   </p:sldIdLst>
   <p:sldSz cx="9144000" cy="6858000" type="screen4x3"/>
   <p:notesSz cx="6858000" cy="9144000"/>
@@ -3230,6 +3233,228 @@
 </p:sld>
 </file>
 
+<file path=ppt/slides/slide10.xml><?xml version="1.0" encoding="utf-8"?>
+<p:sld xmlns:a="http://schemas.openxmlformats.org/drawingml/2006/main" xmlns:r="http://schemas.openxmlformats.org/officeDocument/2006/relationships" xmlns:p="http://schemas.openxmlformats.org/presentationml/2006/main">
+  <p:cSld>
+    <p:spTree>
+      <p:nvGrpSpPr>
+        <p:cNvPr id="1" name=""/>
+        <p:cNvGrpSpPr/>
+        <p:nvPr/>
+      </p:nvGrpSpPr>
+      <p:grpSpPr>
+        <a:xfrm>
+          <a:off x="0" y="0"/>
+          <a:ext cx="0" cy="0"/>
+          <a:chOff x="0" y="0"/>
+          <a:chExt cx="0" cy="0"/>
+        </a:xfrm>
+      </p:grpSpPr>
+      <p:sp>
+        <p:nvSpPr>
+          <p:cNvPr id="3" name="Cím 2"/>
+          <p:cNvSpPr>
+            <a:spLocks noGrp="1"/>
+          </p:cNvSpPr>
+          <p:nvPr>
+            <p:ph type="ctrTitle"/>
+          </p:nvPr>
+        </p:nvSpPr>
+        <p:spPr/>
+        <p:txBody>
+          <a:bodyPr/>
+          <a:lstStyle/>
+          <a:p>
+            <a:r>
+              <a:rPr lang="hu-HU" dirty="0" smtClean="0"/>
+              <a:t>A projectről további leírást az alábbi címen találhatnak:</a:t>
+            </a:r>
+            <a:endParaRPr lang="hu-HU" dirty="0"/>
+          </a:p>
+        </p:txBody>
+      </p:sp>
+      <p:sp>
+        <p:nvSpPr>
+          <p:cNvPr id="4" name="Alcím 3"/>
+          <p:cNvSpPr>
+            <a:spLocks noGrp="1"/>
+          </p:cNvSpPr>
+          <p:nvPr>
+            <p:ph type="subTitle" idx="1"/>
+          </p:nvPr>
+        </p:nvSpPr>
+        <p:spPr/>
+        <p:txBody>
+          <a:bodyPr/>
+          <a:lstStyle/>
+          <a:p>
+            <a:r>
+              <a:rPr lang="hu-HU" dirty="0" smtClean="0"/>
+              <a:t>https://github.com/raziel89/FGFS_simulator.git</a:t>
+            </a:r>
+            <a:endParaRPr lang="hu-HU" dirty="0"/>
+          </a:p>
+        </p:txBody>
+      </p:sp>
+    </p:spTree>
+    <p:extLst>
+      <p:ext uri="{BB962C8B-B14F-4D97-AF65-F5344CB8AC3E}">
+        <p14:creationId xmlns:p14="http://schemas.microsoft.com/office/powerpoint/2010/main" val="2491520849"/>
+      </p:ext>
+    </p:extLst>
+  </p:cSld>
+  <p:clrMapOvr>
+    <a:masterClrMapping/>
+  </p:clrMapOvr>
+  <p:timing>
+    <p:tnLst>
+      <p:par>
+        <p:cTn id="1" dur="indefinite" restart="never" nodeType="tmRoot"/>
+      </p:par>
+    </p:tnLst>
+  </p:timing>
+</p:sld>
+</file>
+
+<file path=ppt/slides/slide11.xml><?xml version="1.0" encoding="utf-8"?>
+<p:sld xmlns:a="http://schemas.openxmlformats.org/drawingml/2006/main" xmlns:r="http://schemas.openxmlformats.org/officeDocument/2006/relationships" xmlns:p="http://schemas.openxmlformats.org/presentationml/2006/main">
+  <p:cSld>
+    <p:spTree>
+      <p:nvGrpSpPr>
+        <p:cNvPr id="1" name=""/>
+        <p:cNvGrpSpPr/>
+        <p:nvPr/>
+      </p:nvGrpSpPr>
+      <p:grpSpPr>
+        <a:xfrm>
+          <a:off x="0" y="0"/>
+          <a:ext cx="0" cy="0"/>
+          <a:chOff x="0" y="0"/>
+          <a:chExt cx="0" cy="0"/>
+        </a:xfrm>
+      </p:grpSpPr>
+      <p:sp>
+        <p:nvSpPr>
+          <p:cNvPr id="4" name="Cím 3"/>
+          <p:cNvSpPr>
+            <a:spLocks noGrp="1"/>
+          </p:cNvSpPr>
+          <p:nvPr>
+            <p:ph type="ctrTitle"/>
+          </p:nvPr>
+        </p:nvSpPr>
+        <p:spPr/>
+        <p:txBody>
+          <a:bodyPr/>
+          <a:lstStyle/>
+          <a:p>
+            <a:r>
+              <a:rPr lang="hu-HU" dirty="0" smtClean="0"/>
+              <a:t>Kérdések</a:t>
+            </a:r>
+            <a:endParaRPr lang="hu-HU" dirty="0"/>
+          </a:p>
+        </p:txBody>
+      </p:sp>
+    </p:spTree>
+    <p:extLst>
+      <p:ext uri="{BB962C8B-B14F-4D97-AF65-F5344CB8AC3E}">
+        <p14:creationId xmlns:p14="http://schemas.microsoft.com/office/powerpoint/2010/main" val="3048500868"/>
+      </p:ext>
+    </p:extLst>
+  </p:cSld>
+  <p:clrMapOvr>
+    <a:masterClrMapping/>
+  </p:clrMapOvr>
+  <p:timing>
+    <p:tnLst>
+      <p:par>
+        <p:cTn id="1" dur="indefinite" restart="never" nodeType="tmRoot"/>
+      </p:par>
+    </p:tnLst>
+  </p:timing>
+</p:sld>
+</file>
+
+<file path=ppt/slides/slide12.xml><?xml version="1.0" encoding="utf-8"?>
+<p:sld xmlns:a="http://schemas.openxmlformats.org/drawingml/2006/main" xmlns:r="http://schemas.openxmlformats.org/officeDocument/2006/relationships" xmlns:p="http://schemas.openxmlformats.org/presentationml/2006/main">
+  <p:cSld>
+    <p:spTree>
+      <p:nvGrpSpPr>
+        <p:cNvPr id="1" name=""/>
+        <p:cNvGrpSpPr/>
+        <p:nvPr/>
+      </p:nvGrpSpPr>
+      <p:grpSpPr>
+        <a:xfrm>
+          <a:off x="0" y="0"/>
+          <a:ext cx="0" cy="0"/>
+          <a:chOff x="0" y="0"/>
+          <a:chExt cx="0" cy="0"/>
+        </a:xfrm>
+      </p:grpSpPr>
+      <p:sp>
+        <p:nvSpPr>
+          <p:cNvPr id="3" name="Cím 2"/>
+          <p:cNvSpPr>
+            <a:spLocks noGrp="1"/>
+          </p:cNvSpPr>
+          <p:nvPr>
+            <p:ph type="ctrTitle"/>
+          </p:nvPr>
+        </p:nvSpPr>
+        <p:spPr/>
+        <p:txBody>
+          <a:bodyPr/>
+          <a:lstStyle/>
+          <a:p>
+            <a:r>
+              <a:rPr lang="hu-HU" dirty="0" smtClean="0"/>
+              <a:t>Köszönöm a figyelmet</a:t>
+            </a:r>
+            <a:endParaRPr lang="hu-HU" dirty="0"/>
+          </a:p>
+        </p:txBody>
+      </p:sp>
+      <p:sp>
+        <p:nvSpPr>
+          <p:cNvPr id="4" name="Alcím 3"/>
+          <p:cNvSpPr>
+            <a:spLocks noGrp="1"/>
+          </p:cNvSpPr>
+          <p:nvPr>
+            <p:ph type="subTitle" idx="1"/>
+          </p:nvPr>
+        </p:nvSpPr>
+        <p:spPr/>
+        <p:txBody>
+          <a:bodyPr/>
+          <a:lstStyle/>
+          <a:p>
+            <a:endParaRPr lang="hu-HU"/>
+          </a:p>
+        </p:txBody>
+      </p:sp>
+    </p:spTree>
+    <p:extLst>
+      <p:ext uri="{BB962C8B-B14F-4D97-AF65-F5344CB8AC3E}">
+        <p14:creationId xmlns:p14="http://schemas.microsoft.com/office/powerpoint/2010/main" val="1862249162"/>
+      </p:ext>
+    </p:extLst>
+  </p:cSld>
+  <p:clrMapOvr>
+    <a:masterClrMapping/>
+  </p:clrMapOvr>
+  <p:timing>
+    <p:tnLst>
+      <p:par>
+        <p:cTn id="1" dur="indefinite" restart="never" nodeType="tmRoot"/>
+      </p:par>
+    </p:tnLst>
+  </p:timing>
+</p:sld>
+</file>
+
 <file path=ppt/slides/slide2.xml><?xml version="1.0" encoding="utf-8"?>
 <p:sld xmlns:a="http://schemas.openxmlformats.org/drawingml/2006/main" xmlns:r="http://schemas.openxmlformats.org/officeDocument/2006/relationships" xmlns:p="http://schemas.openxmlformats.org/presentationml/2006/main">
   <p:cSld>
@@ -4311,6 +4536,124 @@
           <a:p>
             <a:r>
               <a:rPr lang="hu-HU" dirty="0" smtClean="0"/>
+              <a:t>Szimulációs szoftver</a:t>
+            </a:r>
+            <a:endParaRPr lang="hu-HU" dirty="0"/>
+          </a:p>
+        </p:txBody>
+      </p:sp>
+      <p:pic>
+        <p:nvPicPr>
+          <p:cNvPr id="6" name="Tartalom helye 5"/>
+          <p:cNvPicPr>
+            <a:picLocks noGrp="1" noChangeAspect="1"/>
+          </p:cNvPicPr>
+          <p:nvPr>
+            <p:ph sz="half" idx="1"/>
+          </p:nvPr>
+        </p:nvPicPr>
+        <p:blipFill>
+          <a:blip r:embed="rId2">
+            <a:extLst>
+              <a:ext uri="{28A0092B-C50C-407E-A947-70E740481C1C}">
+                <a14:useLocalDpi xmlns:a14="http://schemas.microsoft.com/office/drawing/2010/main" val="0"/>
+              </a:ext>
+            </a:extLst>
+          </a:blip>
+          <a:stretch>
+            <a:fillRect/>
+          </a:stretch>
+        </p:blipFill>
+        <p:spPr>
+          <a:xfrm>
+            <a:off x="457200" y="2516981"/>
+            <a:ext cx="4038600" cy="2692400"/>
+          </a:xfrm>
+        </p:spPr>
+      </p:pic>
+      <p:pic>
+        <p:nvPicPr>
+          <p:cNvPr id="7" name="Tartalom helye 6"/>
+          <p:cNvPicPr>
+            <a:picLocks noGrp="1" noChangeAspect="1"/>
+          </p:cNvPicPr>
+          <p:nvPr>
+            <p:ph sz="half" idx="2"/>
+          </p:nvPr>
+        </p:nvPicPr>
+        <p:blipFill>
+          <a:blip r:embed="rId3">
+            <a:extLst>
+              <a:ext uri="{28A0092B-C50C-407E-A947-70E740481C1C}">
+                <a14:useLocalDpi xmlns:a14="http://schemas.microsoft.com/office/drawing/2010/main" val="0"/>
+              </a:ext>
+            </a:extLst>
+          </a:blip>
+          <a:stretch>
+            <a:fillRect/>
+          </a:stretch>
+        </p:blipFill>
+        <p:spPr>
+          <a:xfrm>
+            <a:off x="4648200" y="2348706"/>
+            <a:ext cx="4038600" cy="3028950"/>
+          </a:xfrm>
+        </p:spPr>
+      </p:pic>
+    </p:spTree>
+    <p:extLst>
+      <p:ext uri="{BB962C8B-B14F-4D97-AF65-F5344CB8AC3E}">
+        <p14:creationId xmlns:p14="http://schemas.microsoft.com/office/powerpoint/2010/main" val="1710797127"/>
+      </p:ext>
+    </p:extLst>
+  </p:cSld>
+  <p:clrMapOvr>
+    <a:masterClrMapping/>
+  </p:clrMapOvr>
+  <p:timing>
+    <p:tnLst>
+      <p:par>
+        <p:cTn id="1" dur="indefinite" restart="never" nodeType="tmRoot"/>
+      </p:par>
+    </p:tnLst>
+  </p:timing>
+</p:sld>
+</file>
+
+<file path=ppt/slides/slide8.xml><?xml version="1.0" encoding="utf-8"?>
+<p:sld xmlns:a="http://schemas.openxmlformats.org/drawingml/2006/main" xmlns:r="http://schemas.openxmlformats.org/officeDocument/2006/relationships" xmlns:p="http://schemas.openxmlformats.org/presentationml/2006/main">
+  <p:cSld>
+    <p:spTree>
+      <p:nvGrpSpPr>
+        <p:cNvPr id="1" name=""/>
+        <p:cNvGrpSpPr/>
+        <p:nvPr/>
+      </p:nvGrpSpPr>
+      <p:grpSpPr>
+        <a:xfrm>
+          <a:off x="0" y="0"/>
+          <a:ext cx="0" cy="0"/>
+          <a:chOff x="0" y="0"/>
+          <a:chExt cx="0" cy="0"/>
+        </a:xfrm>
+      </p:grpSpPr>
+      <p:sp>
+        <p:nvSpPr>
+          <p:cNvPr id="2" name="Cím 1"/>
+          <p:cNvSpPr>
+            <a:spLocks noGrp="1"/>
+          </p:cNvSpPr>
+          <p:nvPr>
+            <p:ph type="title"/>
+          </p:nvPr>
+        </p:nvSpPr>
+        <p:spPr/>
+        <p:txBody>
+          <a:bodyPr/>
+          <a:lstStyle/>
+          <a:p>
+            <a:r>
+              <a:rPr lang="hu-HU" dirty="0" smtClean="0"/>
               <a:t>A </a:t>
             </a:r>
             <a:r>
@@ -4550,62 +4893,6 @@
 </p:sld>
 </file>
 
-<file path=ppt/slides/slide8.xml><?xml version="1.0" encoding="utf-8"?>
-<p:sld xmlns:a="http://schemas.openxmlformats.org/drawingml/2006/main" xmlns:r="http://schemas.openxmlformats.org/officeDocument/2006/relationships" xmlns:p="http://schemas.openxmlformats.org/presentationml/2006/main">
-  <p:cSld>
-    <p:spTree>
-      <p:nvGrpSpPr>
-        <p:cNvPr id="1" name=""/>
-        <p:cNvGrpSpPr/>
-        <p:nvPr/>
-      </p:nvGrpSpPr>
-      <p:grpSpPr>
-        <a:xfrm>
-          <a:off x="0" y="0"/>
-          <a:ext cx="0" cy="0"/>
-          <a:chOff x="0" y="0"/>
-          <a:chExt cx="0" cy="0"/>
-        </a:xfrm>
-      </p:grpSpPr>
-      <p:sp>
-        <p:nvSpPr>
-          <p:cNvPr id="2" name="Cím 1"/>
-          <p:cNvSpPr>
-            <a:spLocks noGrp="1"/>
-          </p:cNvSpPr>
-          <p:nvPr>
-            <p:ph type="title"/>
-          </p:nvPr>
-        </p:nvSpPr>
-        <p:spPr/>
-        <p:txBody>
-          <a:bodyPr/>
-          <a:lstStyle/>
-          <a:p>
-            <a:endParaRPr lang="hu-HU" dirty="0"/>
-          </a:p>
-        </p:txBody>
-      </p:sp>
-    </p:spTree>
-    <p:extLst>
-      <p:ext uri="{BB962C8B-B14F-4D97-AF65-F5344CB8AC3E}">
-        <p14:creationId xmlns:p14="http://schemas.microsoft.com/office/powerpoint/2010/main" val="1862249162"/>
-      </p:ext>
-    </p:extLst>
-  </p:cSld>
-  <p:clrMapOvr>
-    <a:masterClrMapping/>
-  </p:clrMapOvr>
-  <p:timing>
-    <p:tnLst>
-      <p:par>
-        <p:cTn id="1" dur="indefinite" restart="never" nodeType="tmRoot"/>
-      </p:par>
-    </p:tnLst>
-  </p:timing>
-</p:sld>
-</file>
-
 <file path=ppt/slides/slide9.xml><?xml version="1.0" encoding="utf-8"?>
 <p:sld xmlns:a="http://schemas.openxmlformats.org/drawingml/2006/main" xmlns:r="http://schemas.openxmlformats.org/officeDocument/2006/relationships" xmlns:p="http://schemas.openxmlformats.org/presentationml/2006/main">
   <p:cSld>
@@ -4625,12 +4912,12 @@
       </p:grpSpPr>
       <p:sp>
         <p:nvSpPr>
-          <p:cNvPr id="3" name="Cím 2"/>
-          <p:cNvSpPr>
-            <a:spLocks noGrp="1"/>
-          </p:cNvSpPr>
-          <p:nvPr>
-            <p:ph type="ctrTitle"/>
+          <p:cNvPr id="2" name="Cím 1"/>
+          <p:cNvSpPr>
+            <a:spLocks noGrp="1"/>
+          </p:cNvSpPr>
+          <p:nvPr>
+            <p:ph type="title"/>
           </p:nvPr>
         </p:nvSpPr>
         <p:spPr/>
@@ -4640,28 +4927,97 @@
           <a:p>
             <a:r>
               <a:rPr lang="hu-HU" dirty="0" smtClean="0"/>
-              <a:t>Köszönöm a figyelmet</a:t>
+              <a:t>Motor és motorvezérlő</a:t>
             </a:r>
             <a:endParaRPr lang="hu-HU" dirty="0"/>
           </a:p>
         </p:txBody>
       </p:sp>
-      <p:sp>
-        <p:nvSpPr>
-          <p:cNvPr id="4" name="Alcím 3"/>
-          <p:cNvSpPr>
-            <a:spLocks noGrp="1"/>
-          </p:cNvSpPr>
-          <p:nvPr>
-            <p:ph type="subTitle" idx="1"/>
-          </p:nvPr>
-        </p:nvSpPr>
-        <p:spPr/>
-        <p:txBody>
-          <a:bodyPr/>
-          <a:lstStyle/>
-          <a:p>
-            <a:endParaRPr lang="hu-HU"/>
+      <p:pic>
+        <p:nvPicPr>
+          <p:cNvPr id="5" name="Tartalom helye 4"/>
+          <p:cNvPicPr>
+            <a:picLocks noGrp="1" noChangeAspect="1"/>
+          </p:cNvPicPr>
+          <p:nvPr>
+            <p:ph sz="half" idx="1"/>
+          </p:nvPr>
+        </p:nvPicPr>
+        <p:blipFill>
+          <a:blip r:embed="rId2">
+            <a:extLst>
+              <a:ext uri="{28A0092B-C50C-407E-A947-70E740481C1C}">
+                <a14:useLocalDpi xmlns:a14="http://schemas.microsoft.com/office/drawing/2010/main" val="0"/>
+              </a:ext>
+            </a:extLst>
+          </a:blip>
+          <a:stretch>
+            <a:fillRect/>
+          </a:stretch>
+        </p:blipFill>
+        <p:spPr>
+          <a:xfrm>
+            <a:off x="457200" y="1843881"/>
+            <a:ext cx="4038600" cy="4038600"/>
+          </a:xfrm>
+        </p:spPr>
+      </p:pic>
+      <p:pic>
+        <p:nvPicPr>
+          <p:cNvPr id="6" name="Tartalom helye 5"/>
+          <p:cNvPicPr>
+            <a:picLocks noGrp="1" noChangeAspect="1"/>
+          </p:cNvPicPr>
+          <p:nvPr>
+            <p:ph sz="half" idx="2"/>
+          </p:nvPr>
+        </p:nvPicPr>
+        <p:blipFill>
+          <a:blip r:embed="rId3">
+            <a:extLst>
+              <a:ext uri="{28A0092B-C50C-407E-A947-70E740481C1C}">
+                <a14:useLocalDpi xmlns:a14="http://schemas.microsoft.com/office/drawing/2010/main" val="0"/>
+              </a:ext>
+            </a:extLst>
+          </a:blip>
+          <a:stretch>
+            <a:fillRect/>
+          </a:stretch>
+        </p:blipFill>
+        <p:spPr>
+          <a:xfrm>
+            <a:off x="4648200" y="2655991"/>
+            <a:ext cx="4038600" cy="2414380"/>
+          </a:xfrm>
+        </p:spPr>
+      </p:pic>
+      <p:sp>
+        <p:nvSpPr>
+          <p:cNvPr id="7" name="Szövegdoboz 6"/>
+          <p:cNvSpPr txBox="1"/>
+          <p:nvPr/>
+        </p:nvSpPr>
+        <p:spPr>
+          <a:xfrm>
+            <a:off x="467544" y="1844824"/>
+            <a:ext cx="3024336" cy="369332"/>
+          </a:xfrm>
+          <a:prstGeom prst="rect">
+            <a:avLst/>
+          </a:prstGeom>
+          <a:noFill/>
+        </p:spPr>
+        <p:txBody>
+          <a:bodyPr wrap="square" rtlCol="0">
+            <a:spAutoFit/>
+          </a:bodyPr>
+          <a:lstStyle/>
+          <a:p>
+            <a:r>
+              <a:rPr lang="hu-HU" dirty="0" smtClean="0"/>
+              <a:t>Egyszerű DC motor</a:t>
+            </a:r>
+            <a:endParaRPr lang="hu-HU" dirty="0"/>
           </a:p>
         </p:txBody>
       </p:sp>

--- a/flight_proj.pptx
+++ b/flight_proj.pptx
@@ -299,7 +299,7 @@
           <a:p>
             <a:fld id="{52574A46-447D-4447-9100-54428E2A5506}" type="datetimeFigureOut">
               <a:rPr lang="hu-HU" smtClean="0"/>
-              <a:t>2016.04.03.</a:t>
+              <a:t>2016.05.06.</a:t>
             </a:fld>
             <a:endParaRPr lang="hu-HU"/>
           </a:p>
@@ -469,7 +469,7 @@
           <a:p>
             <a:fld id="{52574A46-447D-4447-9100-54428E2A5506}" type="datetimeFigureOut">
               <a:rPr lang="hu-HU" smtClean="0"/>
-              <a:t>2016.04.03.</a:t>
+              <a:t>2016.05.06.</a:t>
             </a:fld>
             <a:endParaRPr lang="hu-HU"/>
           </a:p>
@@ -649,7 +649,7 @@
           <a:p>
             <a:fld id="{52574A46-447D-4447-9100-54428E2A5506}" type="datetimeFigureOut">
               <a:rPr lang="hu-HU" smtClean="0"/>
-              <a:t>2016.04.03.</a:t>
+              <a:t>2016.05.06.</a:t>
             </a:fld>
             <a:endParaRPr lang="hu-HU"/>
           </a:p>
@@ -819,7 +819,7 @@
           <a:p>
             <a:fld id="{52574A46-447D-4447-9100-54428E2A5506}" type="datetimeFigureOut">
               <a:rPr lang="hu-HU" smtClean="0"/>
-              <a:t>2016.04.03.</a:t>
+              <a:t>2016.05.06.</a:t>
             </a:fld>
             <a:endParaRPr lang="hu-HU"/>
           </a:p>
@@ -1065,7 +1065,7 @@
           <a:p>
             <a:fld id="{52574A46-447D-4447-9100-54428E2A5506}" type="datetimeFigureOut">
               <a:rPr lang="hu-HU" smtClean="0"/>
-              <a:t>2016.04.03.</a:t>
+              <a:t>2016.05.06.</a:t>
             </a:fld>
             <a:endParaRPr lang="hu-HU"/>
           </a:p>
@@ -1353,7 +1353,7 @@
           <a:p>
             <a:fld id="{52574A46-447D-4447-9100-54428E2A5506}" type="datetimeFigureOut">
               <a:rPr lang="hu-HU" smtClean="0"/>
-              <a:t>2016.04.03.</a:t>
+              <a:t>2016.05.06.</a:t>
             </a:fld>
             <a:endParaRPr lang="hu-HU"/>
           </a:p>
@@ -1775,7 +1775,7 @@
           <a:p>
             <a:fld id="{52574A46-447D-4447-9100-54428E2A5506}" type="datetimeFigureOut">
               <a:rPr lang="hu-HU" smtClean="0"/>
-              <a:t>2016.04.03.</a:t>
+              <a:t>2016.05.06.</a:t>
             </a:fld>
             <a:endParaRPr lang="hu-HU"/>
           </a:p>
@@ -1893,7 +1893,7 @@
           <a:p>
             <a:fld id="{52574A46-447D-4447-9100-54428E2A5506}" type="datetimeFigureOut">
               <a:rPr lang="hu-HU" smtClean="0"/>
-              <a:t>2016.04.03.</a:t>
+              <a:t>2016.05.06.</a:t>
             </a:fld>
             <a:endParaRPr lang="hu-HU"/>
           </a:p>
@@ -1988,7 +1988,7 @@
           <a:p>
             <a:fld id="{52574A46-447D-4447-9100-54428E2A5506}" type="datetimeFigureOut">
               <a:rPr lang="hu-HU" smtClean="0"/>
-              <a:t>2016.04.03.</a:t>
+              <a:t>2016.05.06.</a:t>
             </a:fld>
             <a:endParaRPr lang="hu-HU"/>
           </a:p>
@@ -2265,7 +2265,7 @@
           <a:p>
             <a:fld id="{52574A46-447D-4447-9100-54428E2A5506}" type="datetimeFigureOut">
               <a:rPr lang="hu-HU" smtClean="0"/>
-              <a:t>2016.04.03.</a:t>
+              <a:t>2016.05.06.</a:t>
             </a:fld>
             <a:endParaRPr lang="hu-HU"/>
           </a:p>
@@ -2518,7 +2518,7 @@
           <a:p>
             <a:fld id="{52574A46-447D-4447-9100-54428E2A5506}" type="datetimeFigureOut">
               <a:rPr lang="hu-HU" smtClean="0"/>
-              <a:t>2016.04.03.</a:t>
+              <a:t>2016.05.06.</a:t>
             </a:fld>
             <a:endParaRPr lang="hu-HU"/>
           </a:p>
@@ -2755,7 +2755,7 @@
           <a:p>
             <a:fld id="{52574A46-447D-4447-9100-54428E2A5506}" type="datetimeFigureOut">
               <a:rPr lang="hu-HU" smtClean="0"/>
-              <a:t>2016.04.03.</a:t>
+              <a:t>2016.05.06.</a:t>
             </a:fld>
             <a:endParaRPr lang="hu-HU"/>
           </a:p>
@@ -3170,7 +3170,17 @@
           <a:p>
             <a:r>
               <a:rPr lang="hu-HU" dirty="0" smtClean="0"/>
-              <a:t>Projekt 1</a:t>
+              <a:t>Projekt </a:t>
+            </a:r>
+            <a:r>
+              <a:rPr lang="hu-HU" dirty="0" smtClean="0"/>
+              <a:t>1</a:t>
+            </a:r>
+          </a:p>
+          <a:p>
+            <a:r>
+              <a:rPr lang="hu-HU" dirty="0" smtClean="0"/>
+              <a:t>A magassági modell</a:t>
             </a:r>
             <a:endParaRPr lang="hu-HU" dirty="0"/>
           </a:p>
@@ -3518,8 +3528,23 @@
           <a:p>
             <a:r>
               <a:rPr lang="hu-HU" dirty="0" smtClean="0"/>
-              <a:t>Teljes értékű szimulátor készítéses</a:t>
-            </a:r>
+              <a:t>Teljes értékű szimulátor </a:t>
+            </a:r>
+            <a:r>
+              <a:rPr lang="hu-HU" dirty="0" smtClean="0"/>
+              <a:t>készítéses</a:t>
+            </a:r>
+            <a:endParaRPr lang="hu-HU" dirty="0"/>
+          </a:p>
+          <a:p>
+            <a:endParaRPr lang="hu-HU" dirty="0" smtClean="0"/>
+          </a:p>
+          <a:p>
+            <a:r>
+              <a:rPr lang="hu-HU" dirty="0" smtClean="0"/>
+              <a:t>Ehhez először egy modell elkészítése szükséges, amely vázolja a működési elvet</a:t>
+            </a:r>
+            <a:endParaRPr lang="hu-HU" dirty="0" smtClean="0"/>
           </a:p>
         </p:txBody>
       </p:sp>
@@ -3577,7 +3602,11 @@
           <a:p>
             <a:r>
               <a:rPr lang="hu-HU" dirty="0" smtClean="0"/>
-              <a:t>Mi is kell hozzá?</a:t>
+              <a:t>Mi is kell </a:t>
+            </a:r>
+            <a:r>
+              <a:rPr lang="hu-HU" dirty="0" smtClean="0"/>
+              <a:t>a szimulátorhoz?</a:t>
             </a:r>
             <a:endParaRPr lang="hu-HU" dirty="0"/>
           </a:p>
@@ -3644,7 +3673,6 @@
               <a:rPr lang="hu-HU" dirty="0" smtClean="0"/>
               <a:t>Karok/kallantyúk</a:t>
             </a:r>
-            <a:endParaRPr lang="hu-HU" dirty="0" smtClean="0"/>
           </a:p>
           <a:p>
             <a:r>
